--- a/presentation.pptx
+++ b/presentation.pptx
@@ -8,8 +8,9 @@
     <p:sldId id="256" r:id="rId2"/>
     <p:sldId id="257" r:id="rId3"/>
     <p:sldId id="258" r:id="rId4"/>
-    <p:sldId id="259" r:id="rId5"/>
-    <p:sldId id="260" r:id="rId6"/>
+    <p:sldId id="261" r:id="rId5"/>
+    <p:sldId id="259" r:id="rId6"/>
+    <p:sldId id="260" r:id="rId7"/>
   </p:sldIdLst>
   <p:sldSz cx="12192000" cy="6858000"/>
   <p:notesSz cx="6858000" cy="9144000"/>
@@ -108,6 +109,11 @@
       </a:defRPr>
     </a:lvl9pPr>
   </p:defaultTextStyle>
+  <p:extLst>
+    <p:ext uri="{EFAFB233-063F-42B5-8137-9DF3F51BA10A}">
+      <p15:sldGuideLst xmlns:p15="http://schemas.microsoft.com/office/powerpoint/2012/main"/>
+    </p:ext>
+  </p:extLst>
 </p:presentation>
 </file>
 
@@ -446,7 +452,7 @@
           <a:p>
             <a:fld id="{A254B1B7-D445-4BE4-8516-505E82829794}" type="datetimeFigureOut">
               <a:rPr lang="en-US" smtClean="0"/>
-              <a:t>6/15/2021</a:t>
+              <a:t>6/17/2021</a:t>
             </a:fld>
             <a:endParaRPr lang="en-US"/>
           </a:p>
@@ -1534,7 +1540,7 @@
           <a:p>
             <a:fld id="{A254B1B7-D445-4BE4-8516-505E82829794}" type="datetimeFigureOut">
               <a:rPr lang="en-US" smtClean="0"/>
-              <a:t>6/15/2021</a:t>
+              <a:t>6/17/2021</a:t>
             </a:fld>
             <a:endParaRPr lang="en-US"/>
           </a:p>
@@ -2514,7 +2520,7 @@
           <a:p>
             <a:fld id="{A254B1B7-D445-4BE4-8516-505E82829794}" type="datetimeFigureOut">
               <a:rPr lang="en-US" smtClean="0"/>
-              <a:t>6/15/2021</a:t>
+              <a:t>6/17/2021</a:t>
             </a:fld>
             <a:endParaRPr lang="en-US"/>
           </a:p>
@@ -3648,7 +3654,7 @@
           <a:p>
             <a:fld id="{A254B1B7-D445-4BE4-8516-505E82829794}" type="datetimeFigureOut">
               <a:rPr lang="en-US" smtClean="0"/>
-              <a:t>6/15/2021</a:t>
+              <a:t>6/17/2021</a:t>
             </a:fld>
             <a:endParaRPr lang="en-US"/>
           </a:p>
@@ -4681,7 +4687,7 @@
           <a:p>
             <a:fld id="{A254B1B7-D445-4BE4-8516-505E82829794}" type="datetimeFigureOut">
               <a:rPr lang="en-US" smtClean="0"/>
-              <a:t>6/15/2021</a:t>
+              <a:t>6/17/2021</a:t>
             </a:fld>
             <a:endParaRPr lang="en-US"/>
           </a:p>
@@ -5341,7 +5347,7 @@
           <a:p>
             <a:fld id="{A254B1B7-D445-4BE4-8516-505E82829794}" type="datetimeFigureOut">
               <a:rPr lang="en-US" smtClean="0"/>
-              <a:t>6/15/2021</a:t>
+              <a:t>6/17/2021</a:t>
             </a:fld>
             <a:endParaRPr lang="en-US"/>
           </a:p>
@@ -6202,7 +6208,7 @@
           <a:p>
             <a:fld id="{A254B1B7-D445-4BE4-8516-505E82829794}" type="datetimeFigureOut">
               <a:rPr lang="en-US" smtClean="0"/>
-              <a:t>6/15/2021</a:t>
+              <a:t>6/17/2021</a:t>
             </a:fld>
             <a:endParaRPr lang="en-US"/>
           </a:p>
@@ -6392,7 +6398,7 @@
           <a:p>
             <a:fld id="{A254B1B7-D445-4BE4-8516-505E82829794}" type="datetimeFigureOut">
               <a:rPr lang="en-US" smtClean="0"/>
-              <a:t>6/15/2021</a:t>
+              <a:t>6/17/2021</a:t>
             </a:fld>
             <a:endParaRPr lang="en-US"/>
           </a:p>
@@ -7364,7 +7370,7 @@
           <a:p>
             <a:fld id="{A254B1B7-D445-4BE4-8516-505E82829794}" type="datetimeFigureOut">
               <a:rPr lang="en-US" smtClean="0"/>
-              <a:t>6/15/2021</a:t>
+              <a:t>6/17/2021</a:t>
             </a:fld>
             <a:endParaRPr lang="en-US"/>
           </a:p>
@@ -7575,7 +7581,7 @@
           <a:p>
             <a:fld id="{A254B1B7-D445-4BE4-8516-505E82829794}" type="datetimeFigureOut">
               <a:rPr lang="en-US" smtClean="0"/>
-              <a:t>6/15/2021</a:t>
+              <a:t>6/17/2021</a:t>
             </a:fld>
             <a:endParaRPr lang="en-US"/>
           </a:p>
@@ -8609,7 +8615,7 @@
           <a:p>
             <a:fld id="{A254B1B7-D445-4BE4-8516-505E82829794}" type="datetimeFigureOut">
               <a:rPr lang="en-US" smtClean="0"/>
-              <a:t>6/15/2021</a:t>
+              <a:t>6/17/2021</a:t>
             </a:fld>
             <a:endParaRPr lang="en-US"/>
           </a:p>
@@ -8881,7 +8887,7 @@
           <a:p>
             <a:fld id="{A254B1B7-D445-4BE4-8516-505E82829794}" type="datetimeFigureOut">
               <a:rPr lang="en-US" smtClean="0"/>
-              <a:t>6/15/2021</a:t>
+              <a:t>6/17/2021</a:t>
             </a:fld>
             <a:endParaRPr lang="en-US"/>
           </a:p>
@@ -9291,7 +9297,7 @@
           <a:p>
             <a:fld id="{A254B1B7-D445-4BE4-8516-505E82829794}" type="datetimeFigureOut">
               <a:rPr lang="en-US" smtClean="0"/>
-              <a:t>6/15/2021</a:t>
+              <a:t>6/17/2021</a:t>
             </a:fld>
             <a:endParaRPr lang="en-US"/>
           </a:p>
@@ -9418,7 +9424,7 @@
           <a:p>
             <a:fld id="{A254B1B7-D445-4BE4-8516-505E82829794}" type="datetimeFigureOut">
               <a:rPr lang="en-US" smtClean="0"/>
-              <a:t>6/15/2021</a:t>
+              <a:t>6/17/2021</a:t>
             </a:fld>
             <a:endParaRPr lang="en-US"/>
           </a:p>
@@ -9513,7 +9519,7 @@
           <a:p>
             <a:fld id="{A254B1B7-D445-4BE4-8516-505E82829794}" type="datetimeFigureOut">
               <a:rPr lang="en-US" smtClean="0"/>
-              <a:t>6/15/2021</a:t>
+              <a:t>6/17/2021</a:t>
             </a:fld>
             <a:endParaRPr lang="en-US"/>
           </a:p>
@@ -10594,7 +10600,7 @@
           <a:p>
             <a:fld id="{A254B1B7-D445-4BE4-8516-505E82829794}" type="datetimeFigureOut">
               <a:rPr lang="en-US" smtClean="0"/>
-              <a:t>6/15/2021</a:t>
+              <a:t>6/17/2021</a:t>
             </a:fld>
             <a:endParaRPr lang="en-US"/>
           </a:p>
@@ -11702,7 +11708,7 @@
           <a:p>
             <a:fld id="{A254B1B7-D445-4BE4-8516-505E82829794}" type="datetimeFigureOut">
               <a:rPr lang="en-US" smtClean="0"/>
-              <a:t>6/15/2021</a:t>
+              <a:t>6/17/2021</a:t>
             </a:fld>
             <a:endParaRPr lang="en-US"/>
           </a:p>
@@ -12722,7 +12728,7 @@
           <a:p>
             <a:fld id="{A254B1B7-D445-4BE4-8516-505E82829794}" type="datetimeFigureOut">
               <a:rPr lang="en-US" smtClean="0"/>
-              <a:t>6/15/2021</a:t>
+              <a:t>6/17/2021</a:t>
             </a:fld>
             <a:endParaRPr lang="en-US"/>
           </a:p>
@@ -17201,6 +17207,1553 @@
       </p:grpSpPr>
       <p:sp>
         <p:nvSpPr>
+          <p:cNvPr id="8" name="Rectangle 7">
+            <a:extLst>
+              <a:ext uri="{FF2B5EF4-FFF2-40B4-BE49-F238E27FC236}">
+                <a16:creationId xmlns:a16="http://schemas.microsoft.com/office/drawing/2014/main" id="{FB3EF4D6-026A-4D52-B916-967329EE3FFE}"/>
+              </a:ext>
+              <a:ext uri="{C183D7F6-B498-43B3-948B-1728B52AA6E4}">
+                <adec:decorative xmlns:adec="http://schemas.microsoft.com/office/drawing/2017/decorative" val="1"/>
+              </a:ext>
+            </a:extLst>
+          </p:cNvPr>
+          <p:cNvSpPr>
+            <a:spLocks noGrp="1" noRot="1" noChangeAspect="1" noMove="1" noResize="1" noEditPoints="1" noAdjustHandles="1" noChangeArrowheads="1" noChangeShapeType="1" noTextEdit="1"/>
+          </p:cNvSpPr>
+          <p:nvPr>
+            <p:extLst>
+              <p:ext uri="{386F3935-93C4-4BCD-93E2-E3B085C9AB24}">
+                <p16:designElem xmlns:p16="http://schemas.microsoft.com/office/powerpoint/2015/main" val="1"/>
+              </p:ext>
+            </p:extLst>
+          </p:nvPr>
+        </p:nvSpPr>
+        <p:spPr>
+          <a:xfrm>
+            <a:off x="0" y="0"/>
+            <a:ext cx="12192000" cy="6858000"/>
+          </a:xfrm>
+          <a:prstGeom prst="rect">
+            <a:avLst/>
+          </a:prstGeom>
+          <a:solidFill>
+            <a:srgbClr val="262626"/>
+          </a:solidFill>
+          <a:ln>
+            <a:noFill/>
+          </a:ln>
+        </p:spPr>
+        <p:style>
+          <a:lnRef idx="2">
+            <a:schemeClr val="accent1">
+              <a:shade val="50000"/>
+            </a:schemeClr>
+          </a:lnRef>
+          <a:fillRef idx="1">
+            <a:schemeClr val="accent1"/>
+          </a:fillRef>
+          <a:effectRef idx="0">
+            <a:schemeClr val="accent1"/>
+          </a:effectRef>
+          <a:fontRef idx="minor">
+            <a:schemeClr val="lt1"/>
+          </a:fontRef>
+        </p:style>
+        <p:txBody>
+          <a:bodyPr rtlCol="0" anchor="ctr"/>
+          <a:lstStyle/>
+          <a:p>
+            <a:pPr algn="ctr"/>
+            <a:endParaRPr lang="en-US"/>
+          </a:p>
+        </p:txBody>
+      </p:sp>
+      <p:sp>
+        <p:nvSpPr>
+          <p:cNvPr id="10" name="Freeform 5">
+            <a:extLst>
+              <a:ext uri="{FF2B5EF4-FFF2-40B4-BE49-F238E27FC236}">
+                <a16:creationId xmlns:a16="http://schemas.microsoft.com/office/drawing/2014/main" id="{4DB4846F-6AA5-4DB3-9581-D95F22BD5662}"/>
+              </a:ext>
+              <a:ext uri="{C183D7F6-B498-43B3-948B-1728B52AA6E4}">
+                <adec:decorative xmlns:adec="http://schemas.microsoft.com/office/drawing/2017/decorative" val="1"/>
+              </a:ext>
+            </a:extLst>
+          </p:cNvPr>
+          <p:cNvSpPr>
+            <a:spLocks noGrp="1" noRot="1" noChangeAspect="1" noMove="1" noResize="1" noEditPoints="1" noAdjustHandles="1" noChangeArrowheads="1" noChangeShapeType="1" noTextEdit="1"/>
+          </p:cNvSpPr>
+          <p:nvPr>
+            <p:extLst>
+              <p:ext uri="{386F3935-93C4-4BCD-93E2-E3B085C9AB24}">
+                <p16:designElem xmlns:p16="http://schemas.microsoft.com/office/powerpoint/2015/main" val="1"/>
+              </p:ext>
+            </p:extLst>
+          </p:nvPr>
+        </p:nvSpPr>
+        <p:spPr bwMode="gray">
+          <a:xfrm rot="21010068">
+            <a:off x="8490951" y="1797517"/>
+            <a:ext cx="3299407" cy="440924"/>
+          </a:xfrm>
+          <a:custGeom>
+            <a:avLst/>
+            <a:gdLst/>
+            <a:ahLst/>
+            <a:cxnLst/>
+            <a:rect l="l" t="t" r="r" b="b"/>
+            <a:pathLst>
+              <a:path w="10000" h="5291">
+                <a:moveTo>
+                  <a:pt x="85" y="2532"/>
+                </a:moveTo>
+                <a:cubicBezTo>
+                  <a:pt x="1736" y="3911"/>
+                  <a:pt x="7524" y="5298"/>
+                  <a:pt x="9958" y="5291"/>
+                </a:cubicBezTo>
+                <a:cubicBezTo>
+                  <a:pt x="9989" y="1958"/>
+                  <a:pt x="9969" y="3333"/>
+                  <a:pt x="10000" y="0"/>
+                </a:cubicBezTo>
+                <a:lnTo>
+                  <a:pt x="10000" y="0"/>
+                </a:lnTo>
+                <a:lnTo>
+                  <a:pt x="9667" y="204"/>
+                </a:lnTo>
+                <a:lnTo>
+                  <a:pt x="9334" y="400"/>
+                </a:lnTo>
+                <a:lnTo>
+                  <a:pt x="9001" y="590"/>
+                </a:lnTo>
+                <a:lnTo>
+                  <a:pt x="8667" y="753"/>
+                </a:lnTo>
+                <a:lnTo>
+                  <a:pt x="8333" y="917"/>
+                </a:lnTo>
+                <a:lnTo>
+                  <a:pt x="7999" y="1071"/>
+                </a:lnTo>
+                <a:lnTo>
+                  <a:pt x="7669" y="1202"/>
+                </a:lnTo>
+                <a:lnTo>
+                  <a:pt x="7333" y="1325"/>
+                </a:lnTo>
+                <a:lnTo>
+                  <a:pt x="7000" y="1440"/>
+                </a:lnTo>
+                <a:lnTo>
+                  <a:pt x="6673" y="1538"/>
+                </a:lnTo>
+                <a:lnTo>
+                  <a:pt x="6340" y="1636"/>
+                </a:lnTo>
+                <a:lnTo>
+                  <a:pt x="6013" y="1719"/>
+                </a:lnTo>
+                <a:lnTo>
+                  <a:pt x="5686" y="1784"/>
+                </a:lnTo>
+                <a:lnTo>
+                  <a:pt x="5359" y="1850"/>
+                </a:lnTo>
+                <a:lnTo>
+                  <a:pt x="5036" y="1906"/>
+                </a:lnTo>
+                <a:lnTo>
+                  <a:pt x="4717" y="1948"/>
+                </a:lnTo>
+                <a:lnTo>
+                  <a:pt x="4396" y="1980"/>
+                </a:lnTo>
+                <a:lnTo>
+                  <a:pt x="4079" y="2013"/>
+                </a:lnTo>
+                <a:lnTo>
+                  <a:pt x="3766" y="2029"/>
+                </a:lnTo>
+                <a:lnTo>
+                  <a:pt x="3454" y="2046"/>
+                </a:lnTo>
+                <a:lnTo>
+                  <a:pt x="3145" y="2053"/>
+                </a:lnTo>
+                <a:lnTo>
+                  <a:pt x="2839" y="2046"/>
+                </a:lnTo>
+                <a:lnTo>
+                  <a:pt x="2537" y="2046"/>
+                </a:lnTo>
+                <a:lnTo>
+                  <a:pt x="2238" y="2029"/>
+                </a:lnTo>
+                <a:lnTo>
+                  <a:pt x="1943" y="2004"/>
+                </a:lnTo>
+                <a:lnTo>
+                  <a:pt x="1653" y="1980"/>
+                </a:lnTo>
+                <a:lnTo>
+                  <a:pt x="1368" y="1955"/>
+                </a:lnTo>
+                <a:lnTo>
+                  <a:pt x="1085" y="1915"/>
+                </a:lnTo>
+                <a:lnTo>
+                  <a:pt x="806" y="1873"/>
+                </a:lnTo>
+                <a:lnTo>
+                  <a:pt x="533" y="1833"/>
+                </a:lnTo>
+                <a:lnTo>
+                  <a:pt x="0" y="1726"/>
+                </a:lnTo>
+                <a:cubicBezTo>
+                  <a:pt x="28" y="1995"/>
+                  <a:pt x="57" y="2263"/>
+                  <a:pt x="85" y="2532"/>
+                </a:cubicBezTo>
+                <a:close/>
+              </a:path>
+            </a:pathLst>
+          </a:custGeom>
+          <a:solidFill>
+            <a:schemeClr val="bg1">
+              <a:alpha val="20000"/>
+            </a:schemeClr>
+          </a:solidFill>
+          <a:ln>
+            <a:noFill/>
+          </a:ln>
+        </p:spPr>
+        <p:txBody>
+          <a:bodyPr/>
+          <a:lstStyle/>
+          <a:p>
+            <a:endParaRPr lang="en-US" dirty="0"/>
+          </a:p>
+        </p:txBody>
+      </p:sp>
+      <p:sp>
+        <p:nvSpPr>
+          <p:cNvPr id="12" name="Freeform: Shape 11">
+            <a:extLst>
+              <a:ext uri="{FF2B5EF4-FFF2-40B4-BE49-F238E27FC236}">
+                <a16:creationId xmlns:a16="http://schemas.microsoft.com/office/drawing/2014/main" id="{D54EC22E-2292-4292-A80B-E81DF64BFB26}"/>
+              </a:ext>
+              <a:ext uri="{C183D7F6-B498-43B3-948B-1728B52AA6E4}">
+                <adec:decorative xmlns:adec="http://schemas.microsoft.com/office/drawing/2017/decorative" val="1"/>
+              </a:ext>
+            </a:extLst>
+          </p:cNvPr>
+          <p:cNvSpPr>
+            <a:spLocks noGrp="1" noRot="1" noChangeAspect="1" noMove="1" noResize="1" noEditPoints="1" noAdjustHandles="1" noChangeArrowheads="1" noChangeShapeType="1" noTextEdit="1"/>
+          </p:cNvSpPr>
+          <p:nvPr>
+            <p:extLst>
+              <p:ext uri="{386F3935-93C4-4BCD-93E2-E3B085C9AB24}">
+                <p16:designElem xmlns:p16="http://schemas.microsoft.com/office/powerpoint/2015/main" val="1"/>
+              </p:ext>
+            </p:extLst>
+          </p:nvPr>
+        </p:nvSpPr>
+        <p:spPr>
+          <a:xfrm>
+            <a:off x="0" y="1780041"/>
+            <a:ext cx="12192000" cy="5077959"/>
+          </a:xfrm>
+          <a:custGeom>
+            <a:avLst/>
+            <a:gdLst>
+              <a:gd name="connsiteX0" fmla="*/ 12192000 w 12192000"/>
+              <a:gd name="connsiteY0" fmla="*/ 0 h 5077959"/>
+              <a:gd name="connsiteX1" fmla="*/ 12192000 w 12192000"/>
+              <a:gd name="connsiteY1" fmla="*/ 1972152 h 5077959"/>
+              <a:gd name="connsiteX2" fmla="*/ 12192000 w 12192000"/>
+              <a:gd name="connsiteY2" fmla="*/ 2361342 h 5077959"/>
+              <a:gd name="connsiteX3" fmla="*/ 12192000 w 12192000"/>
+              <a:gd name="connsiteY3" fmla="*/ 5077959 h 5077959"/>
+              <a:gd name="connsiteX4" fmla="*/ 0 w 12192000"/>
+              <a:gd name="connsiteY4" fmla="*/ 5077959 h 5077959"/>
+              <a:gd name="connsiteX5" fmla="*/ 0 w 12192000"/>
+              <a:gd name="connsiteY5" fmla="*/ 2361342 h 5077959"/>
+              <a:gd name="connsiteX6" fmla="*/ 0 w 12192000"/>
+              <a:gd name="connsiteY6" fmla="*/ 1972152 h 5077959"/>
+              <a:gd name="connsiteX7" fmla="*/ 0 w 12192000"/>
+              <a:gd name="connsiteY7" fmla="*/ 12515 h 5077959"/>
+              <a:gd name="connsiteX8" fmla="*/ 108623 w 12192000"/>
+              <a:gd name="connsiteY8" fmla="*/ 29540 h 5077959"/>
+              <a:gd name="connsiteX9" fmla="*/ 300195 w 12192000"/>
+              <a:gd name="connsiteY9" fmla="*/ 56163 h 5077959"/>
+              <a:gd name="connsiteX10" fmla="*/ 527528 w 12192000"/>
+              <a:gd name="connsiteY10" fmla="*/ 88041 h 5077959"/>
+              <a:gd name="connsiteX11" fmla="*/ 779127 w 12192000"/>
+              <a:gd name="connsiteY11" fmla="*/ 121671 h 5077959"/>
+              <a:gd name="connsiteX12" fmla="*/ 1062654 w 12192000"/>
+              <a:gd name="connsiteY12" fmla="*/ 157052 h 5077959"/>
+              <a:gd name="connsiteX13" fmla="*/ 1371726 w 12192000"/>
+              <a:gd name="connsiteY13" fmla="*/ 194535 h 5077959"/>
+              <a:gd name="connsiteX14" fmla="*/ 1707616 w 12192000"/>
+              <a:gd name="connsiteY14" fmla="*/ 232018 h 5077959"/>
+              <a:gd name="connsiteX15" fmla="*/ 2065219 w 12192000"/>
+              <a:gd name="connsiteY15" fmla="*/ 270201 h 5077959"/>
+              <a:gd name="connsiteX16" fmla="*/ 2450918 w 12192000"/>
+              <a:gd name="connsiteY16" fmla="*/ 305583 h 5077959"/>
+              <a:gd name="connsiteX17" fmla="*/ 2854496 w 12192000"/>
+              <a:gd name="connsiteY17" fmla="*/ 339562 h 5077959"/>
+              <a:gd name="connsiteX18" fmla="*/ 3281065 w 12192000"/>
+              <a:gd name="connsiteY18" fmla="*/ 370390 h 5077959"/>
+              <a:gd name="connsiteX19" fmla="*/ 3725514 w 12192000"/>
+              <a:gd name="connsiteY19" fmla="*/ 399815 h 5077959"/>
+              <a:gd name="connsiteX20" fmla="*/ 4189119 w 12192000"/>
+              <a:gd name="connsiteY20" fmla="*/ 427490 h 5077959"/>
+              <a:gd name="connsiteX21" fmla="*/ 4426671 w 12192000"/>
+              <a:gd name="connsiteY21" fmla="*/ 437298 h 5077959"/>
+              <a:gd name="connsiteX22" fmla="*/ 4669330 w 12192000"/>
+              <a:gd name="connsiteY22" fmla="*/ 448158 h 5077959"/>
+              <a:gd name="connsiteX23" fmla="*/ 4915819 w 12192000"/>
+              <a:gd name="connsiteY23" fmla="*/ 458317 h 5077959"/>
+              <a:gd name="connsiteX24" fmla="*/ 5163586 w 12192000"/>
+              <a:gd name="connsiteY24" fmla="*/ 464973 h 5077959"/>
+              <a:gd name="connsiteX25" fmla="*/ 5416461 w 12192000"/>
+              <a:gd name="connsiteY25" fmla="*/ 470928 h 5077959"/>
+              <a:gd name="connsiteX26" fmla="*/ 5671892 w 12192000"/>
+              <a:gd name="connsiteY26" fmla="*/ 477234 h 5077959"/>
+              <a:gd name="connsiteX27" fmla="*/ 5932430 w 12192000"/>
+              <a:gd name="connsiteY27" fmla="*/ 481437 h 5077959"/>
+              <a:gd name="connsiteX28" fmla="*/ 6195523 w 12192000"/>
+              <a:gd name="connsiteY28" fmla="*/ 481437 h 5077959"/>
+              <a:gd name="connsiteX29" fmla="*/ 6461170 w 12192000"/>
+              <a:gd name="connsiteY29" fmla="*/ 483539 h 5077959"/>
+              <a:gd name="connsiteX30" fmla="*/ 6729372 w 12192000"/>
+              <a:gd name="connsiteY30" fmla="*/ 481437 h 5077959"/>
+              <a:gd name="connsiteX31" fmla="*/ 7001406 w 12192000"/>
+              <a:gd name="connsiteY31" fmla="*/ 477234 h 5077959"/>
+              <a:gd name="connsiteX32" fmla="*/ 7273439 w 12192000"/>
+              <a:gd name="connsiteY32" fmla="*/ 473380 h 5077959"/>
+              <a:gd name="connsiteX33" fmla="*/ 7549303 w 12192000"/>
+              <a:gd name="connsiteY33" fmla="*/ 464973 h 5077959"/>
+              <a:gd name="connsiteX34" fmla="*/ 7827722 w 12192000"/>
+              <a:gd name="connsiteY34" fmla="*/ 456215 h 5077959"/>
+              <a:gd name="connsiteX35" fmla="*/ 8106140 w 12192000"/>
+              <a:gd name="connsiteY35" fmla="*/ 446056 h 5077959"/>
+              <a:gd name="connsiteX36" fmla="*/ 8387114 w 12192000"/>
+              <a:gd name="connsiteY36" fmla="*/ 431694 h 5077959"/>
+              <a:gd name="connsiteX37" fmla="*/ 8670640 w 12192000"/>
+              <a:gd name="connsiteY37" fmla="*/ 414528 h 5077959"/>
+              <a:gd name="connsiteX38" fmla="*/ 8955446 w 12192000"/>
+              <a:gd name="connsiteY38" fmla="*/ 398064 h 5077959"/>
+              <a:gd name="connsiteX39" fmla="*/ 9240250 w 12192000"/>
+              <a:gd name="connsiteY39" fmla="*/ 377045 h 5077959"/>
+              <a:gd name="connsiteX40" fmla="*/ 9528886 w 12192000"/>
+              <a:gd name="connsiteY40" fmla="*/ 351823 h 5077959"/>
+              <a:gd name="connsiteX41" fmla="*/ 9813691 w 12192000"/>
+              <a:gd name="connsiteY41" fmla="*/ 326601 h 5077959"/>
+              <a:gd name="connsiteX42" fmla="*/ 10103603 w 12192000"/>
+              <a:gd name="connsiteY42" fmla="*/ 297525 h 5077959"/>
+              <a:gd name="connsiteX43" fmla="*/ 10394794 w 12192000"/>
+              <a:gd name="connsiteY43" fmla="*/ 265647 h 5077959"/>
+              <a:gd name="connsiteX44" fmla="*/ 10682153 w 12192000"/>
+              <a:gd name="connsiteY44" fmla="*/ 232018 h 5077959"/>
+              <a:gd name="connsiteX45" fmla="*/ 10973344 w 12192000"/>
+              <a:gd name="connsiteY45" fmla="*/ 192783 h 5077959"/>
+              <a:gd name="connsiteX46" fmla="*/ 11263257 w 12192000"/>
+              <a:gd name="connsiteY46" fmla="*/ 150746 h 5077959"/>
+              <a:gd name="connsiteX47" fmla="*/ 11554448 w 12192000"/>
+              <a:gd name="connsiteY47" fmla="*/ 109060 h 5077959"/>
+              <a:gd name="connsiteX48" fmla="*/ 11844360 w 12192000"/>
+              <a:gd name="connsiteY48" fmla="*/ 60367 h 5077959"/>
+              <a:gd name="connsiteX49" fmla="*/ 12132996 w 12192000"/>
+              <a:gd name="connsiteY49" fmla="*/ 10623 h 5077959"/>
+            </a:gdLst>
+            <a:ahLst/>
+            <a:cxnLst>
+              <a:cxn ang="0">
+                <a:pos x="connsiteX0" y="connsiteY0"/>
+              </a:cxn>
+              <a:cxn ang="0">
+                <a:pos x="connsiteX1" y="connsiteY1"/>
+              </a:cxn>
+              <a:cxn ang="0">
+                <a:pos x="connsiteX2" y="connsiteY2"/>
+              </a:cxn>
+              <a:cxn ang="0">
+                <a:pos x="connsiteX3" y="connsiteY3"/>
+              </a:cxn>
+              <a:cxn ang="0">
+                <a:pos x="connsiteX4" y="connsiteY4"/>
+              </a:cxn>
+              <a:cxn ang="0">
+                <a:pos x="connsiteX5" y="connsiteY5"/>
+              </a:cxn>
+              <a:cxn ang="0">
+                <a:pos x="connsiteX6" y="connsiteY6"/>
+              </a:cxn>
+              <a:cxn ang="0">
+                <a:pos x="connsiteX7" y="connsiteY7"/>
+              </a:cxn>
+              <a:cxn ang="0">
+                <a:pos x="connsiteX8" y="connsiteY8"/>
+              </a:cxn>
+              <a:cxn ang="0">
+                <a:pos x="connsiteX9" y="connsiteY9"/>
+              </a:cxn>
+              <a:cxn ang="0">
+                <a:pos x="connsiteX10" y="connsiteY10"/>
+              </a:cxn>
+              <a:cxn ang="0">
+                <a:pos x="connsiteX11" y="connsiteY11"/>
+              </a:cxn>
+              <a:cxn ang="0">
+                <a:pos x="connsiteX12" y="connsiteY12"/>
+              </a:cxn>
+              <a:cxn ang="0">
+                <a:pos x="connsiteX13" y="connsiteY13"/>
+              </a:cxn>
+              <a:cxn ang="0">
+                <a:pos x="connsiteX14" y="connsiteY14"/>
+              </a:cxn>
+              <a:cxn ang="0">
+                <a:pos x="connsiteX15" y="connsiteY15"/>
+              </a:cxn>
+              <a:cxn ang="0">
+                <a:pos x="connsiteX16" y="connsiteY16"/>
+              </a:cxn>
+              <a:cxn ang="0">
+                <a:pos x="connsiteX17" y="connsiteY17"/>
+              </a:cxn>
+              <a:cxn ang="0">
+                <a:pos x="connsiteX18" y="connsiteY18"/>
+              </a:cxn>
+              <a:cxn ang="0">
+                <a:pos x="connsiteX19" y="connsiteY19"/>
+              </a:cxn>
+              <a:cxn ang="0">
+                <a:pos x="connsiteX20" y="connsiteY20"/>
+              </a:cxn>
+              <a:cxn ang="0">
+                <a:pos x="connsiteX21" y="connsiteY21"/>
+              </a:cxn>
+              <a:cxn ang="0">
+                <a:pos x="connsiteX22" y="connsiteY22"/>
+              </a:cxn>
+              <a:cxn ang="0">
+                <a:pos x="connsiteX23" y="connsiteY23"/>
+              </a:cxn>
+              <a:cxn ang="0">
+                <a:pos x="connsiteX24" y="connsiteY24"/>
+              </a:cxn>
+              <a:cxn ang="0">
+                <a:pos x="connsiteX25" y="connsiteY25"/>
+              </a:cxn>
+              <a:cxn ang="0">
+                <a:pos x="connsiteX26" y="connsiteY26"/>
+              </a:cxn>
+              <a:cxn ang="0">
+                <a:pos x="connsiteX27" y="connsiteY27"/>
+              </a:cxn>
+              <a:cxn ang="0">
+                <a:pos x="connsiteX28" y="connsiteY28"/>
+              </a:cxn>
+              <a:cxn ang="0">
+                <a:pos x="connsiteX29" y="connsiteY29"/>
+              </a:cxn>
+              <a:cxn ang="0">
+                <a:pos x="connsiteX30" y="connsiteY30"/>
+              </a:cxn>
+              <a:cxn ang="0">
+                <a:pos x="connsiteX31" y="connsiteY31"/>
+              </a:cxn>
+              <a:cxn ang="0">
+                <a:pos x="connsiteX32" y="connsiteY32"/>
+              </a:cxn>
+              <a:cxn ang="0">
+                <a:pos x="connsiteX33" y="connsiteY33"/>
+              </a:cxn>
+              <a:cxn ang="0">
+                <a:pos x="connsiteX34" y="connsiteY34"/>
+              </a:cxn>
+              <a:cxn ang="0">
+                <a:pos x="connsiteX35" y="connsiteY35"/>
+              </a:cxn>
+              <a:cxn ang="0">
+                <a:pos x="connsiteX36" y="connsiteY36"/>
+              </a:cxn>
+              <a:cxn ang="0">
+                <a:pos x="connsiteX37" y="connsiteY37"/>
+              </a:cxn>
+              <a:cxn ang="0">
+                <a:pos x="connsiteX38" y="connsiteY38"/>
+              </a:cxn>
+              <a:cxn ang="0">
+                <a:pos x="connsiteX39" y="connsiteY39"/>
+              </a:cxn>
+              <a:cxn ang="0">
+                <a:pos x="connsiteX40" y="connsiteY40"/>
+              </a:cxn>
+              <a:cxn ang="0">
+                <a:pos x="connsiteX41" y="connsiteY41"/>
+              </a:cxn>
+              <a:cxn ang="0">
+                <a:pos x="connsiteX42" y="connsiteY42"/>
+              </a:cxn>
+              <a:cxn ang="0">
+                <a:pos x="connsiteX43" y="connsiteY43"/>
+              </a:cxn>
+              <a:cxn ang="0">
+                <a:pos x="connsiteX44" y="connsiteY44"/>
+              </a:cxn>
+              <a:cxn ang="0">
+                <a:pos x="connsiteX45" y="connsiteY45"/>
+              </a:cxn>
+              <a:cxn ang="0">
+                <a:pos x="connsiteX46" y="connsiteY46"/>
+              </a:cxn>
+              <a:cxn ang="0">
+                <a:pos x="connsiteX47" y="connsiteY47"/>
+              </a:cxn>
+              <a:cxn ang="0">
+                <a:pos x="connsiteX48" y="connsiteY48"/>
+              </a:cxn>
+              <a:cxn ang="0">
+                <a:pos x="connsiteX49" y="connsiteY49"/>
+              </a:cxn>
+            </a:cxnLst>
+            <a:rect l="l" t="t" r="r" b="b"/>
+            <a:pathLst>
+              <a:path w="12192000" h="5077959">
+                <a:moveTo>
+                  <a:pt x="12192000" y="0"/>
+                </a:moveTo>
+                <a:lnTo>
+                  <a:pt x="12192000" y="1972152"/>
+                </a:lnTo>
+                <a:lnTo>
+                  <a:pt x="12192000" y="2361342"/>
+                </a:lnTo>
+                <a:lnTo>
+                  <a:pt x="12192000" y="5077959"/>
+                </a:lnTo>
+                <a:lnTo>
+                  <a:pt x="0" y="5077959"/>
+                </a:lnTo>
+                <a:lnTo>
+                  <a:pt x="0" y="2361342"/>
+                </a:lnTo>
+                <a:lnTo>
+                  <a:pt x="0" y="1972152"/>
+                </a:lnTo>
+                <a:lnTo>
+                  <a:pt x="0" y="12515"/>
+                </a:lnTo>
+                <a:lnTo>
+                  <a:pt x="108623" y="29540"/>
+                </a:lnTo>
+                <a:lnTo>
+                  <a:pt x="300195" y="56163"/>
+                </a:lnTo>
+                <a:lnTo>
+                  <a:pt x="527528" y="88041"/>
+                </a:lnTo>
+                <a:lnTo>
+                  <a:pt x="779127" y="121671"/>
+                </a:lnTo>
+                <a:lnTo>
+                  <a:pt x="1062654" y="157052"/>
+                </a:lnTo>
+                <a:lnTo>
+                  <a:pt x="1371726" y="194535"/>
+                </a:lnTo>
+                <a:lnTo>
+                  <a:pt x="1707616" y="232018"/>
+                </a:lnTo>
+                <a:lnTo>
+                  <a:pt x="2065219" y="270201"/>
+                </a:lnTo>
+                <a:lnTo>
+                  <a:pt x="2450918" y="305583"/>
+                </a:lnTo>
+                <a:lnTo>
+                  <a:pt x="2854496" y="339562"/>
+                </a:lnTo>
+                <a:lnTo>
+                  <a:pt x="3281065" y="370390"/>
+                </a:lnTo>
+                <a:lnTo>
+                  <a:pt x="3725514" y="399815"/>
+                </a:lnTo>
+                <a:lnTo>
+                  <a:pt x="4189119" y="427490"/>
+                </a:lnTo>
+                <a:lnTo>
+                  <a:pt x="4426671" y="437298"/>
+                </a:lnTo>
+                <a:lnTo>
+                  <a:pt x="4669330" y="448158"/>
+                </a:lnTo>
+                <a:lnTo>
+                  <a:pt x="4915819" y="458317"/>
+                </a:lnTo>
+                <a:lnTo>
+                  <a:pt x="5163586" y="464973"/>
+                </a:lnTo>
+                <a:lnTo>
+                  <a:pt x="5416461" y="470928"/>
+                </a:lnTo>
+                <a:lnTo>
+                  <a:pt x="5671892" y="477234"/>
+                </a:lnTo>
+                <a:lnTo>
+                  <a:pt x="5932430" y="481437"/>
+                </a:lnTo>
+                <a:lnTo>
+                  <a:pt x="6195523" y="481437"/>
+                </a:lnTo>
+                <a:lnTo>
+                  <a:pt x="6461170" y="483539"/>
+                </a:lnTo>
+                <a:lnTo>
+                  <a:pt x="6729372" y="481437"/>
+                </a:lnTo>
+                <a:lnTo>
+                  <a:pt x="7001406" y="477234"/>
+                </a:lnTo>
+                <a:lnTo>
+                  <a:pt x="7273439" y="473380"/>
+                </a:lnTo>
+                <a:lnTo>
+                  <a:pt x="7549303" y="464973"/>
+                </a:lnTo>
+                <a:lnTo>
+                  <a:pt x="7827722" y="456215"/>
+                </a:lnTo>
+                <a:lnTo>
+                  <a:pt x="8106140" y="446056"/>
+                </a:lnTo>
+                <a:lnTo>
+                  <a:pt x="8387114" y="431694"/>
+                </a:lnTo>
+                <a:lnTo>
+                  <a:pt x="8670640" y="414528"/>
+                </a:lnTo>
+                <a:lnTo>
+                  <a:pt x="8955446" y="398064"/>
+                </a:lnTo>
+                <a:lnTo>
+                  <a:pt x="9240250" y="377045"/>
+                </a:lnTo>
+                <a:lnTo>
+                  <a:pt x="9528886" y="351823"/>
+                </a:lnTo>
+                <a:lnTo>
+                  <a:pt x="9813691" y="326601"/>
+                </a:lnTo>
+                <a:lnTo>
+                  <a:pt x="10103603" y="297525"/>
+                </a:lnTo>
+                <a:lnTo>
+                  <a:pt x="10394794" y="265647"/>
+                </a:lnTo>
+                <a:lnTo>
+                  <a:pt x="10682153" y="232018"/>
+                </a:lnTo>
+                <a:lnTo>
+                  <a:pt x="10973344" y="192783"/>
+                </a:lnTo>
+                <a:lnTo>
+                  <a:pt x="11263257" y="150746"/>
+                </a:lnTo>
+                <a:lnTo>
+                  <a:pt x="11554448" y="109060"/>
+                </a:lnTo>
+                <a:lnTo>
+                  <a:pt x="11844360" y="60367"/>
+                </a:lnTo>
+                <a:lnTo>
+                  <a:pt x="12132996" y="10623"/>
+                </a:lnTo>
+                <a:close/>
+              </a:path>
+            </a:pathLst>
+          </a:custGeom>
+          <a:solidFill>
+            <a:srgbClr val="FFFFFF"/>
+          </a:solidFill>
+          <a:ln>
+            <a:noFill/>
+          </a:ln>
+        </p:spPr>
+        <p:style>
+          <a:lnRef idx="2">
+            <a:schemeClr val="accent1">
+              <a:shade val="50000"/>
+            </a:schemeClr>
+          </a:lnRef>
+          <a:fillRef idx="1003">
+            <a:schemeClr val="dk2"/>
+          </a:fillRef>
+          <a:effectRef idx="0">
+            <a:schemeClr val="accent1"/>
+          </a:effectRef>
+          <a:fontRef idx="minor">
+            <a:schemeClr val="lt1"/>
+          </a:fontRef>
+        </p:style>
+        <p:txBody>
+          <a:bodyPr wrap="square" rtlCol="0" anchor="ctr">
+            <a:noAutofit/>
+          </a:bodyPr>
+          <a:lstStyle/>
+          <a:p>
+            <a:pPr algn="ctr"/>
+            <a:endParaRPr lang="en-US"/>
+          </a:p>
+        </p:txBody>
+      </p:sp>
+      <p:sp>
+        <p:nvSpPr>
+          <p:cNvPr id="14" name="Rectangle 13">
+            <a:extLst>
+              <a:ext uri="{FF2B5EF4-FFF2-40B4-BE49-F238E27FC236}">
+                <a16:creationId xmlns:a16="http://schemas.microsoft.com/office/drawing/2014/main" id="{CC1C7165-8A3A-44EB-88D0-4EFA36A004E2}"/>
+              </a:ext>
+              <a:ext uri="{C183D7F6-B498-43B3-948B-1728B52AA6E4}">
+                <adec:decorative xmlns:adec="http://schemas.microsoft.com/office/drawing/2017/decorative" val="1"/>
+              </a:ext>
+            </a:extLst>
+          </p:cNvPr>
+          <p:cNvSpPr>
+            <a:spLocks noGrp="1" noRot="1" noChangeAspect="1" noMove="1" noResize="1" noEditPoints="1" noAdjustHandles="1" noChangeArrowheads="1" noChangeShapeType="1" noTextEdit="1"/>
+          </p:cNvSpPr>
+          <p:nvPr>
+            <p:extLst>
+              <p:ext uri="{386F3935-93C4-4BCD-93E2-E3B085C9AB24}">
+                <p16:designElem xmlns:p16="http://schemas.microsoft.com/office/powerpoint/2015/main" val="1"/>
+              </p:ext>
+            </p:extLst>
+          </p:nvPr>
+        </p:nvSpPr>
+        <p:spPr>
+          <a:xfrm>
+            <a:off x="0" y="0"/>
+            <a:ext cx="12192000" cy="6858000"/>
+          </a:xfrm>
+          <a:prstGeom prst="rect">
+            <a:avLst/>
+          </a:prstGeom>
+          <a:noFill/>
+          <a:ln>
+            <a:noFill/>
+          </a:ln>
+        </p:spPr>
+        <p:style>
+          <a:lnRef idx="2">
+            <a:schemeClr val="accent1">
+              <a:shade val="50000"/>
+            </a:schemeClr>
+          </a:lnRef>
+          <a:fillRef idx="1">
+            <a:schemeClr val="accent1"/>
+          </a:fillRef>
+          <a:effectRef idx="0">
+            <a:schemeClr val="accent1"/>
+          </a:effectRef>
+          <a:fontRef idx="minor">
+            <a:schemeClr val="lt1"/>
+          </a:fontRef>
+        </p:style>
+      </p:sp>
+      <p:sp>
+        <p:nvSpPr>
+          <p:cNvPr id="16" name="Freeform 5">
+            <a:extLst>
+              <a:ext uri="{FF2B5EF4-FFF2-40B4-BE49-F238E27FC236}">
+                <a16:creationId xmlns:a16="http://schemas.microsoft.com/office/drawing/2014/main" id="{A1081473-BB93-49A4-B605-4E2053739770}"/>
+              </a:ext>
+              <a:ext uri="{C183D7F6-B498-43B3-948B-1728B52AA6E4}">
+                <adec:decorative xmlns:adec="http://schemas.microsoft.com/office/drawing/2017/decorative" val="1"/>
+              </a:ext>
+            </a:extLst>
+          </p:cNvPr>
+          <p:cNvSpPr>
+            <a:spLocks noGrp="1" noRot="1" noChangeAspect="1" noMove="1" noResize="1" noEditPoints="1" noAdjustHandles="1" noChangeArrowheads="1" noChangeShapeType="1" noTextEdit="1"/>
+          </p:cNvSpPr>
+          <p:nvPr>
+            <p:extLst>
+              <p:ext uri="{386F3935-93C4-4BCD-93E2-E3B085C9AB24}">
+                <p16:designElem xmlns:p16="http://schemas.microsoft.com/office/powerpoint/2015/main" val="1"/>
+              </p:ext>
+            </p:extLst>
+          </p:nvPr>
+        </p:nvSpPr>
+        <p:spPr bwMode="gray">
+          <a:xfrm>
+            <a:off x="0" y="1587"/>
+            <a:ext cx="12192000" cy="6856413"/>
+          </a:xfrm>
+          <a:custGeom>
+            <a:avLst/>
+            <a:gdLst/>
+            <a:ahLst/>
+            <a:cxnLst/>
+            <a:rect l="0" t="0" r="r" b="b"/>
+            <a:pathLst>
+              <a:path w="15356" h="8638">
+                <a:moveTo>
+                  <a:pt x="0" y="0"/>
+                </a:moveTo>
+                <a:lnTo>
+                  <a:pt x="0" y="8638"/>
+                </a:lnTo>
+                <a:lnTo>
+                  <a:pt x="15356" y="8638"/>
+                </a:lnTo>
+                <a:lnTo>
+                  <a:pt x="15356" y="0"/>
+                </a:lnTo>
+                <a:lnTo>
+                  <a:pt x="0" y="0"/>
+                </a:lnTo>
+                <a:close/>
+                <a:moveTo>
+                  <a:pt x="14748" y="8038"/>
+                </a:moveTo>
+                <a:lnTo>
+                  <a:pt x="600" y="8038"/>
+                </a:lnTo>
+                <a:lnTo>
+                  <a:pt x="600" y="592"/>
+                </a:lnTo>
+                <a:lnTo>
+                  <a:pt x="14748" y="592"/>
+                </a:lnTo>
+                <a:lnTo>
+                  <a:pt x="14748" y="8038"/>
+                </a:lnTo>
+                <a:close/>
+              </a:path>
+            </a:pathLst>
+          </a:custGeom>
+          <a:solidFill>
+            <a:schemeClr val="accent1"/>
+          </a:solidFill>
+          <a:ln>
+            <a:noFill/>
+          </a:ln>
+        </p:spPr>
+      </p:sp>
+      <p:sp>
+        <p:nvSpPr>
+          <p:cNvPr id="2" name="Title 1">
+            <a:extLst>
+              <a:ext uri="{FF2B5EF4-FFF2-40B4-BE49-F238E27FC236}">
+                <a16:creationId xmlns:a16="http://schemas.microsoft.com/office/drawing/2014/main" id="{0D391CEE-39FF-400C-A826-927A43862B5B}"/>
+              </a:ext>
+            </a:extLst>
+          </p:cNvPr>
+          <p:cNvSpPr>
+            <a:spLocks noGrp="1"/>
+          </p:cNvSpPr>
+          <p:nvPr>
+            <p:ph type="title"/>
+          </p:nvPr>
+        </p:nvSpPr>
+        <p:spPr>
+          <a:xfrm>
+            <a:off x="1683171" y="838200"/>
+            <a:ext cx="8825659" cy="977902"/>
+          </a:xfrm>
+        </p:spPr>
+        <p:txBody>
+          <a:bodyPr>
+            <a:normAutofit/>
+          </a:bodyPr>
+          <a:lstStyle/>
+          <a:p>
+            <a:pPr algn="ctr"/>
+            <a:r>
+              <a:rPr lang="en-US" sz="5400" dirty="0">
+                <a:solidFill>
+                  <a:srgbClr val="EBEBEB"/>
+                </a:solidFill>
+                <a:latin typeface="Aharoni" panose="02010803020104030203" pitchFamily="2" charset="-79"/>
+                <a:cs typeface="Aharoni" panose="02010803020104030203" pitchFamily="2" charset="-79"/>
+              </a:rPr>
+              <a:t>Prediction Model</a:t>
+            </a:r>
+          </a:p>
+        </p:txBody>
+      </p:sp>
+      <p:sp>
+        <p:nvSpPr>
+          <p:cNvPr id="3" name="Content Placeholder 2">
+            <a:extLst>
+              <a:ext uri="{FF2B5EF4-FFF2-40B4-BE49-F238E27FC236}">
+                <a16:creationId xmlns:a16="http://schemas.microsoft.com/office/drawing/2014/main" id="{193AE7A7-6FF4-4CD6-8772-1A1856139E17}"/>
+              </a:ext>
+            </a:extLst>
+          </p:cNvPr>
+          <p:cNvSpPr>
+            <a:spLocks noGrp="1"/>
+          </p:cNvSpPr>
+          <p:nvPr>
+            <p:ph idx="1"/>
+          </p:nvPr>
+        </p:nvSpPr>
+        <p:spPr>
+          <a:xfrm>
+            <a:off x="1683171" y="2757942"/>
+            <a:ext cx="8825659" cy="3261857"/>
+          </a:xfrm>
+        </p:spPr>
+        <p:txBody>
+          <a:bodyPr>
+            <a:normAutofit/>
+          </a:bodyPr>
+          <a:lstStyle/>
+          <a:p>
+            <a:r>
+              <a:rPr lang="en-US" sz="2800" dirty="0">
+                <a:solidFill>
+                  <a:srgbClr val="404040"/>
+                </a:solidFill>
+                <a:latin typeface="Aharoni" panose="02010803020104030203" pitchFamily="2" charset="-79"/>
+                <a:cs typeface="Aharoni" panose="02010803020104030203" pitchFamily="2" charset="-79"/>
+              </a:rPr>
+              <a:t>Grid Search and Random Forest</a:t>
+            </a:r>
+          </a:p>
+          <a:p>
+            <a:pPr lvl="1"/>
+            <a:r>
+              <a:rPr lang="en-US" sz="2800" dirty="0">
+                <a:solidFill>
+                  <a:srgbClr val="404040"/>
+                </a:solidFill>
+                <a:latin typeface="Aharoni" panose="02010803020104030203" pitchFamily="2" charset="-79"/>
+                <a:cs typeface="Aharoni" panose="02010803020104030203" pitchFamily="2" charset="-79"/>
+              </a:rPr>
+              <a:t>Random forest was used to get important features</a:t>
+            </a:r>
+          </a:p>
+          <a:p>
+            <a:r>
+              <a:rPr lang="en-US" sz="2800" dirty="0">
+                <a:solidFill>
+                  <a:srgbClr val="404040"/>
+                </a:solidFill>
+                <a:latin typeface="Aharoni" panose="02010803020104030203" pitchFamily="2" charset="-79"/>
+                <a:cs typeface="Aharoni" panose="02010803020104030203" pitchFamily="2" charset="-79"/>
+              </a:rPr>
+              <a:t>Model was retrained with grid search using the top ten questions</a:t>
+            </a:r>
+          </a:p>
+          <a:p>
+            <a:r>
+              <a:rPr lang="en-US" sz="2800" dirty="0">
+                <a:solidFill>
+                  <a:srgbClr val="404040"/>
+                </a:solidFill>
+                <a:latin typeface="Aharoni" panose="02010803020104030203" pitchFamily="2" charset="-79"/>
+                <a:cs typeface="Aharoni" panose="02010803020104030203" pitchFamily="2" charset="-79"/>
+              </a:rPr>
+              <a:t>Received a 1.0 F1 score</a:t>
+            </a:r>
+          </a:p>
+          <a:p>
+            <a:pPr marL="457200" lvl="1" indent="0">
+              <a:buNone/>
+            </a:pPr>
+            <a:endParaRPr lang="en-US" sz="1800" dirty="0">
+              <a:solidFill>
+                <a:srgbClr val="404040"/>
+              </a:solidFill>
+            </a:endParaRPr>
+          </a:p>
+        </p:txBody>
+      </p:sp>
+    </p:spTree>
+    <p:extLst>
+      <p:ext uri="{BB962C8B-B14F-4D97-AF65-F5344CB8AC3E}">
+        <p14:creationId xmlns:p14="http://schemas.microsoft.com/office/powerpoint/2010/main" val="1354326271"/>
+      </p:ext>
+    </p:extLst>
+  </p:cSld>
+  <p:clrMapOvr>
+    <a:masterClrMapping/>
+  </p:clrMapOvr>
+  <p:timing>
+    <p:tnLst>
+      <p:par>
+        <p:cTn id="1" dur="indefinite" restart="never" nodeType="tmRoot">
+          <p:childTnLst>
+            <p:seq concurrent="1" nextAc="seek">
+              <p:cTn id="2" dur="indefinite" nodeType="mainSeq">
+                <p:childTnLst>
+                  <p:par>
+                    <p:cTn id="3" fill="hold">
+                      <p:stCondLst>
+                        <p:cond delay="indefinite"/>
+                      </p:stCondLst>
+                      <p:childTnLst>
+                        <p:par>
+                          <p:cTn id="4" fill="hold">
+                            <p:stCondLst>
+                              <p:cond delay="0"/>
+                            </p:stCondLst>
+                            <p:childTnLst>
+                              <p:par>
+                                <p:cTn id="5" presetID="2" presetClass="entr" presetSubtype="4" fill="hold" grpId="0" nodeType="clickEffect">
+                                  <p:stCondLst>
+                                    <p:cond delay="0"/>
+                                  </p:stCondLst>
+                                  <p:childTnLst>
+                                    <p:set>
+                                      <p:cBhvr>
+                                        <p:cTn id="6" dur="1" fill="hold">
+                                          <p:stCondLst>
+                                            <p:cond delay="0"/>
+                                          </p:stCondLst>
+                                        </p:cTn>
+                                        <p:tgtEl>
+                                          <p:spTgt spid="2"/>
+                                        </p:tgtEl>
+                                        <p:attrNameLst>
+                                          <p:attrName>style.visibility</p:attrName>
+                                        </p:attrNameLst>
+                                      </p:cBhvr>
+                                      <p:to>
+                                        <p:strVal val="visible"/>
+                                      </p:to>
+                                    </p:set>
+                                    <p:anim calcmode="lin" valueType="num">
+                                      <p:cBhvr additive="base">
+                                        <p:cTn id="7" dur="500" fill="hold"/>
+                                        <p:tgtEl>
+                                          <p:spTgt spid="2"/>
+                                        </p:tgtEl>
+                                        <p:attrNameLst>
+                                          <p:attrName>ppt_x</p:attrName>
+                                        </p:attrNameLst>
+                                      </p:cBhvr>
+                                      <p:tavLst>
+                                        <p:tav tm="0">
+                                          <p:val>
+                                            <p:strVal val="#ppt_x"/>
+                                          </p:val>
+                                        </p:tav>
+                                        <p:tav tm="100000">
+                                          <p:val>
+                                            <p:strVal val="#ppt_x"/>
+                                          </p:val>
+                                        </p:tav>
+                                      </p:tavLst>
+                                    </p:anim>
+                                    <p:anim calcmode="lin" valueType="num">
+                                      <p:cBhvr additive="base">
+                                        <p:cTn id="8" dur="500" fill="hold"/>
+                                        <p:tgtEl>
+                                          <p:spTgt spid="2"/>
+                                        </p:tgtEl>
+                                        <p:attrNameLst>
+                                          <p:attrName>ppt_y</p:attrName>
+                                        </p:attrNameLst>
+                                      </p:cBhvr>
+                                      <p:tavLst>
+                                        <p:tav tm="0">
+                                          <p:val>
+                                            <p:strVal val="1+#ppt_h/2"/>
+                                          </p:val>
+                                        </p:tav>
+                                        <p:tav tm="100000">
+                                          <p:val>
+                                            <p:strVal val="#ppt_y"/>
+                                          </p:val>
+                                        </p:tav>
+                                      </p:tavLst>
+                                    </p:anim>
+                                  </p:childTnLst>
+                                </p:cTn>
+                              </p:par>
+                            </p:childTnLst>
+                          </p:cTn>
+                        </p:par>
+                      </p:childTnLst>
+                    </p:cTn>
+                  </p:par>
+                  <p:par>
+                    <p:cTn id="9" fill="hold">
+                      <p:stCondLst>
+                        <p:cond delay="indefinite"/>
+                      </p:stCondLst>
+                      <p:childTnLst>
+                        <p:par>
+                          <p:cTn id="10" fill="hold">
+                            <p:stCondLst>
+                              <p:cond delay="0"/>
+                            </p:stCondLst>
+                            <p:childTnLst>
+                              <p:par>
+                                <p:cTn id="11" presetID="2" presetClass="entr" presetSubtype="4" fill="hold" grpId="0" nodeType="clickEffect">
+                                  <p:stCondLst>
+                                    <p:cond delay="0"/>
+                                  </p:stCondLst>
+                                  <p:childTnLst>
+                                    <p:set>
+                                      <p:cBhvr>
+                                        <p:cTn id="12" dur="1" fill="hold">
+                                          <p:stCondLst>
+                                            <p:cond delay="0"/>
+                                          </p:stCondLst>
+                                        </p:cTn>
+                                        <p:tgtEl>
+                                          <p:spTgt spid="3">
+                                            <p:txEl>
+                                              <p:pRg st="0" end="0"/>
+                                            </p:txEl>
+                                          </p:spTgt>
+                                        </p:tgtEl>
+                                        <p:attrNameLst>
+                                          <p:attrName>style.visibility</p:attrName>
+                                        </p:attrNameLst>
+                                      </p:cBhvr>
+                                      <p:to>
+                                        <p:strVal val="visible"/>
+                                      </p:to>
+                                    </p:set>
+                                    <p:anim calcmode="lin" valueType="num">
+                                      <p:cBhvr additive="base">
+                                        <p:cTn id="13" dur="500" fill="hold"/>
+                                        <p:tgtEl>
+                                          <p:spTgt spid="3">
+                                            <p:txEl>
+                                              <p:pRg st="0" end="0"/>
+                                            </p:txEl>
+                                          </p:spTgt>
+                                        </p:tgtEl>
+                                        <p:attrNameLst>
+                                          <p:attrName>ppt_x</p:attrName>
+                                        </p:attrNameLst>
+                                      </p:cBhvr>
+                                      <p:tavLst>
+                                        <p:tav tm="0">
+                                          <p:val>
+                                            <p:strVal val="#ppt_x"/>
+                                          </p:val>
+                                        </p:tav>
+                                        <p:tav tm="100000">
+                                          <p:val>
+                                            <p:strVal val="#ppt_x"/>
+                                          </p:val>
+                                        </p:tav>
+                                      </p:tavLst>
+                                    </p:anim>
+                                    <p:anim calcmode="lin" valueType="num">
+                                      <p:cBhvr additive="base">
+                                        <p:cTn id="14" dur="500" fill="hold"/>
+                                        <p:tgtEl>
+                                          <p:spTgt spid="3">
+                                            <p:txEl>
+                                              <p:pRg st="0" end="0"/>
+                                            </p:txEl>
+                                          </p:spTgt>
+                                        </p:tgtEl>
+                                        <p:attrNameLst>
+                                          <p:attrName>ppt_y</p:attrName>
+                                        </p:attrNameLst>
+                                      </p:cBhvr>
+                                      <p:tavLst>
+                                        <p:tav tm="0">
+                                          <p:val>
+                                            <p:strVal val="1+#ppt_h/2"/>
+                                          </p:val>
+                                        </p:tav>
+                                        <p:tav tm="100000">
+                                          <p:val>
+                                            <p:strVal val="#ppt_y"/>
+                                          </p:val>
+                                        </p:tav>
+                                      </p:tavLst>
+                                    </p:anim>
+                                  </p:childTnLst>
+                                </p:cTn>
+                              </p:par>
+                            </p:childTnLst>
+                          </p:cTn>
+                        </p:par>
+                      </p:childTnLst>
+                    </p:cTn>
+                  </p:par>
+                  <p:par>
+                    <p:cTn id="15" fill="hold">
+                      <p:stCondLst>
+                        <p:cond delay="indefinite"/>
+                      </p:stCondLst>
+                      <p:childTnLst>
+                        <p:par>
+                          <p:cTn id="16" fill="hold">
+                            <p:stCondLst>
+                              <p:cond delay="0"/>
+                            </p:stCondLst>
+                            <p:childTnLst>
+                              <p:par>
+                                <p:cTn id="17" presetID="2" presetClass="entr" presetSubtype="4" fill="hold" grpId="0" nodeType="clickEffect">
+                                  <p:stCondLst>
+                                    <p:cond delay="0"/>
+                                  </p:stCondLst>
+                                  <p:childTnLst>
+                                    <p:set>
+                                      <p:cBhvr>
+                                        <p:cTn id="18" dur="1" fill="hold">
+                                          <p:stCondLst>
+                                            <p:cond delay="0"/>
+                                          </p:stCondLst>
+                                        </p:cTn>
+                                        <p:tgtEl>
+                                          <p:spTgt spid="3">
+                                            <p:txEl>
+                                              <p:pRg st="1" end="1"/>
+                                            </p:txEl>
+                                          </p:spTgt>
+                                        </p:tgtEl>
+                                        <p:attrNameLst>
+                                          <p:attrName>style.visibility</p:attrName>
+                                        </p:attrNameLst>
+                                      </p:cBhvr>
+                                      <p:to>
+                                        <p:strVal val="visible"/>
+                                      </p:to>
+                                    </p:set>
+                                    <p:anim calcmode="lin" valueType="num">
+                                      <p:cBhvr additive="base">
+                                        <p:cTn id="19" dur="500" fill="hold"/>
+                                        <p:tgtEl>
+                                          <p:spTgt spid="3">
+                                            <p:txEl>
+                                              <p:pRg st="1" end="1"/>
+                                            </p:txEl>
+                                          </p:spTgt>
+                                        </p:tgtEl>
+                                        <p:attrNameLst>
+                                          <p:attrName>ppt_x</p:attrName>
+                                        </p:attrNameLst>
+                                      </p:cBhvr>
+                                      <p:tavLst>
+                                        <p:tav tm="0">
+                                          <p:val>
+                                            <p:strVal val="#ppt_x"/>
+                                          </p:val>
+                                        </p:tav>
+                                        <p:tav tm="100000">
+                                          <p:val>
+                                            <p:strVal val="#ppt_x"/>
+                                          </p:val>
+                                        </p:tav>
+                                      </p:tavLst>
+                                    </p:anim>
+                                    <p:anim calcmode="lin" valueType="num">
+                                      <p:cBhvr additive="base">
+                                        <p:cTn id="20" dur="500" fill="hold"/>
+                                        <p:tgtEl>
+                                          <p:spTgt spid="3">
+                                            <p:txEl>
+                                              <p:pRg st="1" end="1"/>
+                                            </p:txEl>
+                                          </p:spTgt>
+                                        </p:tgtEl>
+                                        <p:attrNameLst>
+                                          <p:attrName>ppt_y</p:attrName>
+                                        </p:attrNameLst>
+                                      </p:cBhvr>
+                                      <p:tavLst>
+                                        <p:tav tm="0">
+                                          <p:val>
+                                            <p:strVal val="1+#ppt_h/2"/>
+                                          </p:val>
+                                        </p:tav>
+                                        <p:tav tm="100000">
+                                          <p:val>
+                                            <p:strVal val="#ppt_y"/>
+                                          </p:val>
+                                        </p:tav>
+                                      </p:tavLst>
+                                    </p:anim>
+                                  </p:childTnLst>
+                                </p:cTn>
+                              </p:par>
+                            </p:childTnLst>
+                          </p:cTn>
+                        </p:par>
+                      </p:childTnLst>
+                    </p:cTn>
+                  </p:par>
+                  <p:par>
+                    <p:cTn id="21" fill="hold">
+                      <p:stCondLst>
+                        <p:cond delay="indefinite"/>
+                      </p:stCondLst>
+                      <p:childTnLst>
+                        <p:par>
+                          <p:cTn id="22" fill="hold">
+                            <p:stCondLst>
+                              <p:cond delay="0"/>
+                            </p:stCondLst>
+                            <p:childTnLst>
+                              <p:par>
+                                <p:cTn id="23" presetID="2" presetClass="entr" presetSubtype="4" fill="hold" grpId="0" nodeType="clickEffect">
+                                  <p:stCondLst>
+                                    <p:cond delay="0"/>
+                                  </p:stCondLst>
+                                  <p:childTnLst>
+                                    <p:set>
+                                      <p:cBhvr>
+                                        <p:cTn id="24" dur="1" fill="hold">
+                                          <p:stCondLst>
+                                            <p:cond delay="0"/>
+                                          </p:stCondLst>
+                                        </p:cTn>
+                                        <p:tgtEl>
+                                          <p:spTgt spid="3">
+                                            <p:txEl>
+                                              <p:pRg st="2" end="2"/>
+                                            </p:txEl>
+                                          </p:spTgt>
+                                        </p:tgtEl>
+                                        <p:attrNameLst>
+                                          <p:attrName>style.visibility</p:attrName>
+                                        </p:attrNameLst>
+                                      </p:cBhvr>
+                                      <p:to>
+                                        <p:strVal val="visible"/>
+                                      </p:to>
+                                    </p:set>
+                                    <p:anim calcmode="lin" valueType="num">
+                                      <p:cBhvr additive="base">
+                                        <p:cTn id="25" dur="500" fill="hold"/>
+                                        <p:tgtEl>
+                                          <p:spTgt spid="3">
+                                            <p:txEl>
+                                              <p:pRg st="2" end="2"/>
+                                            </p:txEl>
+                                          </p:spTgt>
+                                        </p:tgtEl>
+                                        <p:attrNameLst>
+                                          <p:attrName>ppt_x</p:attrName>
+                                        </p:attrNameLst>
+                                      </p:cBhvr>
+                                      <p:tavLst>
+                                        <p:tav tm="0">
+                                          <p:val>
+                                            <p:strVal val="#ppt_x"/>
+                                          </p:val>
+                                        </p:tav>
+                                        <p:tav tm="100000">
+                                          <p:val>
+                                            <p:strVal val="#ppt_x"/>
+                                          </p:val>
+                                        </p:tav>
+                                      </p:tavLst>
+                                    </p:anim>
+                                    <p:anim calcmode="lin" valueType="num">
+                                      <p:cBhvr additive="base">
+                                        <p:cTn id="26" dur="500" fill="hold"/>
+                                        <p:tgtEl>
+                                          <p:spTgt spid="3">
+                                            <p:txEl>
+                                              <p:pRg st="2" end="2"/>
+                                            </p:txEl>
+                                          </p:spTgt>
+                                        </p:tgtEl>
+                                        <p:attrNameLst>
+                                          <p:attrName>ppt_y</p:attrName>
+                                        </p:attrNameLst>
+                                      </p:cBhvr>
+                                      <p:tavLst>
+                                        <p:tav tm="0">
+                                          <p:val>
+                                            <p:strVal val="1+#ppt_h/2"/>
+                                          </p:val>
+                                        </p:tav>
+                                        <p:tav tm="100000">
+                                          <p:val>
+                                            <p:strVal val="#ppt_y"/>
+                                          </p:val>
+                                        </p:tav>
+                                      </p:tavLst>
+                                    </p:anim>
+                                  </p:childTnLst>
+                                </p:cTn>
+                              </p:par>
+                            </p:childTnLst>
+                          </p:cTn>
+                        </p:par>
+                      </p:childTnLst>
+                    </p:cTn>
+                  </p:par>
+                  <p:par>
+                    <p:cTn id="27" fill="hold">
+                      <p:stCondLst>
+                        <p:cond delay="indefinite"/>
+                      </p:stCondLst>
+                      <p:childTnLst>
+                        <p:par>
+                          <p:cTn id="28" fill="hold">
+                            <p:stCondLst>
+                              <p:cond delay="0"/>
+                            </p:stCondLst>
+                            <p:childTnLst>
+                              <p:par>
+                                <p:cTn id="29" presetID="2" presetClass="entr" presetSubtype="4" fill="hold" grpId="0" nodeType="clickEffect">
+                                  <p:stCondLst>
+                                    <p:cond delay="0"/>
+                                  </p:stCondLst>
+                                  <p:childTnLst>
+                                    <p:set>
+                                      <p:cBhvr>
+                                        <p:cTn id="30" dur="1" fill="hold">
+                                          <p:stCondLst>
+                                            <p:cond delay="0"/>
+                                          </p:stCondLst>
+                                        </p:cTn>
+                                        <p:tgtEl>
+                                          <p:spTgt spid="3">
+                                            <p:txEl>
+                                              <p:pRg st="3" end="3"/>
+                                            </p:txEl>
+                                          </p:spTgt>
+                                        </p:tgtEl>
+                                        <p:attrNameLst>
+                                          <p:attrName>style.visibility</p:attrName>
+                                        </p:attrNameLst>
+                                      </p:cBhvr>
+                                      <p:to>
+                                        <p:strVal val="visible"/>
+                                      </p:to>
+                                    </p:set>
+                                    <p:anim calcmode="lin" valueType="num">
+                                      <p:cBhvr additive="base">
+                                        <p:cTn id="31" dur="500" fill="hold"/>
+                                        <p:tgtEl>
+                                          <p:spTgt spid="3">
+                                            <p:txEl>
+                                              <p:pRg st="3" end="3"/>
+                                            </p:txEl>
+                                          </p:spTgt>
+                                        </p:tgtEl>
+                                        <p:attrNameLst>
+                                          <p:attrName>ppt_x</p:attrName>
+                                        </p:attrNameLst>
+                                      </p:cBhvr>
+                                      <p:tavLst>
+                                        <p:tav tm="0">
+                                          <p:val>
+                                            <p:strVal val="#ppt_x"/>
+                                          </p:val>
+                                        </p:tav>
+                                        <p:tav tm="100000">
+                                          <p:val>
+                                            <p:strVal val="#ppt_x"/>
+                                          </p:val>
+                                        </p:tav>
+                                      </p:tavLst>
+                                    </p:anim>
+                                    <p:anim calcmode="lin" valueType="num">
+                                      <p:cBhvr additive="base">
+                                        <p:cTn id="32" dur="500" fill="hold"/>
+                                        <p:tgtEl>
+                                          <p:spTgt spid="3">
+                                            <p:txEl>
+                                              <p:pRg st="3" end="3"/>
+                                            </p:txEl>
+                                          </p:spTgt>
+                                        </p:tgtEl>
+                                        <p:attrNameLst>
+                                          <p:attrName>ppt_y</p:attrName>
+                                        </p:attrNameLst>
+                                      </p:cBhvr>
+                                      <p:tavLst>
+                                        <p:tav tm="0">
+                                          <p:val>
+                                            <p:strVal val="1+#ppt_h/2"/>
+                                          </p:val>
+                                        </p:tav>
+                                        <p:tav tm="100000">
+                                          <p:val>
+                                            <p:strVal val="#ppt_y"/>
+                                          </p:val>
+                                        </p:tav>
+                                      </p:tavLst>
+                                    </p:anim>
+                                  </p:childTnLst>
+                                </p:cTn>
+                              </p:par>
+                            </p:childTnLst>
+                          </p:cTn>
+                        </p:par>
+                      </p:childTnLst>
+                    </p:cTn>
+                  </p:par>
+                </p:childTnLst>
+              </p:cTn>
+              <p:prevCondLst>
+                <p:cond evt="onPrev" delay="0">
+                  <p:tgtEl>
+                    <p:sldTgt/>
+                  </p:tgtEl>
+                </p:cond>
+              </p:prevCondLst>
+              <p:nextCondLst>
+                <p:cond evt="onNext" delay="0">
+                  <p:tgtEl>
+                    <p:sldTgt/>
+                  </p:tgtEl>
+                </p:cond>
+              </p:nextCondLst>
+            </p:seq>
+          </p:childTnLst>
+        </p:cTn>
+      </p:par>
+    </p:tnLst>
+    <p:bldLst>
+      <p:bldP spid="2" grpId="0"/>
+      <p:bldP spid="3" grpId="0" uiExpand="1" build="p"/>
+    </p:bldLst>
+  </p:timing>
+</p:sld>
+</file>
+
+<file path=ppt/slides/slide5.xml><?xml version="1.0" encoding="utf-8"?>
+<p:sld xmlns:a="http://schemas.openxmlformats.org/drawingml/2006/main" xmlns:r="http://schemas.openxmlformats.org/officeDocument/2006/relationships" xmlns:p="http://schemas.openxmlformats.org/presentationml/2006/main">
+  <p:cSld>
+    <p:bg>
+      <p:bgPr>
+        <a:solidFill>
+          <a:schemeClr val="bg1"/>
+        </a:solidFill>
+        <a:effectLst/>
+      </p:bgPr>
+    </p:bg>
+    <p:spTree>
+      <p:nvGrpSpPr>
+        <p:cNvPr id="1" name=""/>
+        <p:cNvGrpSpPr/>
+        <p:nvPr/>
+      </p:nvGrpSpPr>
+      <p:grpSpPr>
+        <a:xfrm>
+          <a:off x="0" y="0"/>
+          <a:ext cx="0" cy="0"/>
+          <a:chOff x="0" y="0"/>
+          <a:chExt cx="0" cy="0"/>
+        </a:xfrm>
+      </p:grpSpPr>
+      <p:sp>
+        <p:nvSpPr>
           <p:cNvPr id="18" name="Rectangle 7">
             <a:extLst>
               <a:ext uri="{FF2B5EF4-FFF2-40B4-BE49-F238E27FC236}">
@@ -18855,7 +20408,7 @@
 </p:sld>
 </file>
 
-<file path=ppt/slides/slide5.xml><?xml version="1.0" encoding="utf-8"?>
+<file path=ppt/slides/slide6.xml><?xml version="1.0" encoding="utf-8"?>
 <p:sld xmlns:a="http://schemas.openxmlformats.org/drawingml/2006/main" xmlns:r="http://schemas.openxmlformats.org/officeDocument/2006/relationships" xmlns:p="http://schemas.openxmlformats.org/presentationml/2006/main">
   <p:cSld>
     <p:bg>
@@ -19218,8 +20771,8 @@
         </p:nvSpPr>
         <p:spPr>
           <a:xfrm>
-            <a:off x="3009935" y="3975591"/>
-            <a:ext cx="4997669" cy="369332"/>
+            <a:off x="4223880" y="3975591"/>
+            <a:ext cx="2649886" cy="369332"/>
           </a:xfrm>
           <a:prstGeom prst="rect">
             <a:avLst/>
@@ -19233,9 +20786,12 @@
           <a:lstStyle/>
           <a:p>
             <a:r>
-              <a:rPr lang="en-US" dirty="0"/>
-              <a:t>WEBSITE</a:t>
+              <a:rPr lang="en-US" dirty="0">
+                <a:hlinkClick r:id="rId2"/>
+              </a:rPr>
+              <a:t>Before You Say I Do</a:t>
             </a:r>
+            <a:endParaRPr lang="en-US" dirty="0"/>
           </a:p>
         </p:txBody>
       </p:sp>

--- a/presentation.pptx
+++ b/presentation.pptx
@@ -14619,13 +14619,13 @@
         </p:nvSpPr>
         <p:spPr>
           <a:xfrm>
-            <a:off x="1683171" y="2496948"/>
-            <a:ext cx="8825659" cy="3698900"/>
+            <a:off x="1683171" y="2330139"/>
+            <a:ext cx="8825659" cy="3793570"/>
           </a:xfrm>
         </p:spPr>
         <p:txBody>
           <a:bodyPr>
-            <a:normAutofit fontScale="92500" lnSpcReduction="10000"/>
+            <a:normAutofit fontScale="85000" lnSpcReduction="20000"/>
           </a:bodyPr>
           <a:lstStyle/>
           <a:p>
@@ -14659,7 +14659,7 @@
                 <a:latin typeface="Aharoni" panose="02010803020104030203" pitchFamily="2" charset="-79"/>
                 <a:cs typeface="Aharoni" panose="02010803020104030203" pitchFamily="2" charset="-79"/>
               </a:rPr>
-              <a:t>Based on Gottman’s four horsemen of the apocalypse</a:t>
+              <a:t>Based on Gottman’s four horsemen of the apocalypse. The divorce questions are related to a common meaning of fail attempts to repair love and negative conflict behavior.</a:t>
             </a:r>
           </a:p>
           <a:p>
